--- a/metody-numeryczne/projekt-1/report/KonradPagacz-projekt-1.pptx
+++ b/metody-numeryczne/projekt-1/report/KonradPagacz-projekt-1.pptx
@@ -8,13 +8,15 @@
     <p:sldId id="256" r:id="rId2"/>
     <p:sldId id="258" r:id="rId3"/>
     <p:sldId id="259" r:id="rId4"/>
-    <p:sldId id="257" r:id="rId5"/>
-    <p:sldId id="260" r:id="rId6"/>
-    <p:sldId id="261" r:id="rId7"/>
-    <p:sldId id="262" r:id="rId8"/>
-    <p:sldId id="263" r:id="rId9"/>
-    <p:sldId id="264" r:id="rId10"/>
-    <p:sldId id="265" r:id="rId11"/>
+    <p:sldId id="266" r:id="rId5"/>
+    <p:sldId id="257" r:id="rId6"/>
+    <p:sldId id="260" r:id="rId7"/>
+    <p:sldId id="261" r:id="rId8"/>
+    <p:sldId id="262" r:id="rId9"/>
+    <p:sldId id="263" r:id="rId10"/>
+    <p:sldId id="264" r:id="rId11"/>
+    <p:sldId id="265" r:id="rId12"/>
+    <p:sldId id="267" r:id="rId13"/>
   </p:sldIdLst>
   <p:sldSz cx="12192000" cy="6858000"/>
   <p:notesSz cx="6858000" cy="9144000"/>
@@ -113,13 +115,18 @@
       </a:defRPr>
     </a:lvl9pPr>
   </p:defaultTextStyle>
+  <p:extLst>
+    <p:ext uri="{EFAFB233-063F-42B5-8137-9DF3F51BA10A}">
+      <p15:sldGuideLst xmlns:p15="http://schemas.microsoft.com/office/powerpoint/2012/main"/>
+    </p:ext>
+  </p:extLst>
 </p:presentation>
 </file>
 
 <file path=ppt/revisionInfo.xml><?xml version="1.0" encoding="utf-8"?>
 <p1510:revInfo xmlns:a="http://schemas.openxmlformats.org/drawingml/2006/main" xmlns:r="http://schemas.openxmlformats.org/officeDocument/2006/relationships" xmlns:p1510="http://schemas.microsoft.com/office/powerpoint/2015/10/main">
   <p1510:revLst>
-    <p1510:client id="{58155686-19C7-4A58-84EF-AB47EF9C4BD2}" v="179" dt="2021-01-07T23:29:55.864"/>
+    <p1510:client id="{58155686-19C7-4A58-84EF-AB47EF9C4BD2}" v="442" dt="2021-01-08T14:51:01.908"/>
   </p1510:revLst>
 </p1510:revInfo>
 </file>
@@ -129,7 +136,7 @@
   <pc:docChgLst>
     <pc:chgData name="Konrad Pagacz" userId="e545d7174c31fd57" providerId="LiveId" clId="{58155686-19C7-4A58-84EF-AB47EF9C4BD2}"/>
     <pc:docChg chg="custSel addSld delSld modSld sldOrd">
-      <pc:chgData name="Konrad Pagacz" userId="e545d7174c31fd57" providerId="LiveId" clId="{58155686-19C7-4A58-84EF-AB47EF9C4BD2}" dt="2021-01-07T23:29:56.889" v="5325" actId="20577"/>
+      <pc:chgData name="Konrad Pagacz" userId="e545d7174c31fd57" providerId="LiveId" clId="{58155686-19C7-4A58-84EF-AB47EF9C4BD2}" dt="2021-01-08T14:51:47.385" v="6930" actId="2696"/>
       <pc:docMkLst>
         <pc:docMk/>
       </pc:docMkLst>
@@ -220,7 +227,7 @@
         </pc:picChg>
       </pc:sldChg>
       <pc:sldChg chg="modSp new mod ord">
-        <pc:chgData name="Konrad Pagacz" userId="e545d7174c31fd57" providerId="LiveId" clId="{58155686-19C7-4A58-84EF-AB47EF9C4BD2}" dt="2021-01-07T22:52:38.310" v="5278" actId="20577"/>
+        <pc:chgData name="Konrad Pagacz" userId="e545d7174c31fd57" providerId="LiveId" clId="{58155686-19C7-4A58-84EF-AB47EF9C4BD2}" dt="2021-01-08T14:47:07.810" v="6267" actId="20577"/>
         <pc:sldMkLst>
           <pc:docMk/>
           <pc:sldMk cId="2595250012" sldId="258"/>
@@ -234,7 +241,7 @@
           </ac:spMkLst>
         </pc:spChg>
         <pc:spChg chg="mod">
-          <ac:chgData name="Konrad Pagacz" userId="e545d7174c31fd57" providerId="LiveId" clId="{58155686-19C7-4A58-84EF-AB47EF9C4BD2}" dt="2021-01-07T22:52:38.310" v="5278" actId="20577"/>
+          <ac:chgData name="Konrad Pagacz" userId="e545d7174c31fd57" providerId="LiveId" clId="{58155686-19C7-4A58-84EF-AB47EF9C4BD2}" dt="2021-01-08T14:47:07.810" v="6267" actId="20577"/>
           <ac:spMkLst>
             <pc:docMk/>
             <pc:sldMk cId="2595250012" sldId="258"/>
@@ -509,7 +516,7 @@
         </pc:spChg>
       </pc:sldChg>
       <pc:sldChg chg="addSp delSp modSp new mod modClrScheme chgLayout">
-        <pc:chgData name="Konrad Pagacz" userId="e545d7174c31fd57" providerId="LiveId" clId="{58155686-19C7-4A58-84EF-AB47EF9C4BD2}" dt="2021-01-07T23:29:56.889" v="5325" actId="20577"/>
+        <pc:chgData name="Konrad Pagacz" userId="e545d7174c31fd57" providerId="LiveId" clId="{58155686-19C7-4A58-84EF-AB47EF9C4BD2}" dt="2021-01-08T14:21:18.586" v="5528" actId="20577"/>
         <pc:sldMkLst>
           <pc:docMk/>
           <pc:sldMk cId="681721699" sldId="264"/>
@@ -539,7 +546,7 @@
           </ac:spMkLst>
         </pc:spChg>
         <pc:spChg chg="add mod ord">
-          <ac:chgData name="Konrad Pagacz" userId="e545d7174c31fd57" providerId="LiveId" clId="{58155686-19C7-4A58-84EF-AB47EF9C4BD2}" dt="2021-01-07T23:29:56.889" v="5325" actId="20577"/>
+          <ac:chgData name="Konrad Pagacz" userId="e545d7174c31fd57" providerId="LiveId" clId="{58155686-19C7-4A58-84EF-AB47EF9C4BD2}" dt="2021-01-08T14:21:18.586" v="5528" actId="20577"/>
           <ac:spMkLst>
             <pc:docMk/>
             <pc:sldMk cId="681721699" sldId="264"/>
@@ -547,12 +554,209 @@
           </ac:spMkLst>
         </pc:spChg>
       </pc:sldChg>
-      <pc:sldChg chg="new">
-        <pc:chgData name="Konrad Pagacz" userId="e545d7174c31fd57" providerId="LiveId" clId="{58155686-19C7-4A58-84EF-AB47EF9C4BD2}" dt="2021-01-07T22:52:46.900" v="5279" actId="680"/>
+      <pc:sldChg chg="addSp delSp modSp new mod modClrScheme chgLayout">
+        <pc:chgData name="Konrad Pagacz" userId="e545d7174c31fd57" providerId="LiveId" clId="{58155686-19C7-4A58-84EF-AB47EF9C4BD2}" dt="2021-01-08T14:38:11.423" v="6110" actId="20577"/>
         <pc:sldMkLst>
           <pc:docMk/>
           <pc:sldMk cId="707521056" sldId="265"/>
         </pc:sldMkLst>
+        <pc:spChg chg="del mod ord">
+          <ac:chgData name="Konrad Pagacz" userId="e545d7174c31fd57" providerId="LiveId" clId="{58155686-19C7-4A58-84EF-AB47EF9C4BD2}" dt="2021-01-08T14:19:44.443" v="5326" actId="700"/>
+          <ac:spMkLst>
+            <pc:docMk/>
+            <pc:sldMk cId="707521056" sldId="265"/>
+            <ac:spMk id="2" creationId="{5395F7E0-3F08-403C-896F-B8981D38D10B}"/>
+          </ac:spMkLst>
+        </pc:spChg>
+        <pc:spChg chg="del mod ord">
+          <ac:chgData name="Konrad Pagacz" userId="e545d7174c31fd57" providerId="LiveId" clId="{58155686-19C7-4A58-84EF-AB47EF9C4BD2}" dt="2021-01-08T14:19:44.443" v="5326" actId="700"/>
+          <ac:spMkLst>
+            <pc:docMk/>
+            <pc:sldMk cId="707521056" sldId="265"/>
+            <ac:spMk id="3" creationId="{5AC5DB74-8ED7-4EEB-A906-E9E5F0EE87EB}"/>
+          </ac:spMkLst>
+        </pc:spChg>
+        <pc:spChg chg="add mod ord">
+          <ac:chgData name="Konrad Pagacz" userId="e545d7174c31fd57" providerId="LiveId" clId="{58155686-19C7-4A58-84EF-AB47EF9C4BD2}" dt="2021-01-08T14:20:23.982" v="5356" actId="700"/>
+          <ac:spMkLst>
+            <pc:docMk/>
+            <pc:sldMk cId="707521056" sldId="265"/>
+            <ac:spMk id="4" creationId="{79FCD00D-216F-45F9-8FFC-A381C39980EF}"/>
+          </ac:spMkLst>
+        </pc:spChg>
+        <pc:spChg chg="add del mod ord">
+          <ac:chgData name="Konrad Pagacz" userId="e545d7174c31fd57" providerId="LiveId" clId="{58155686-19C7-4A58-84EF-AB47EF9C4BD2}" dt="2021-01-08T14:20:23.982" v="5356" actId="700"/>
+          <ac:spMkLst>
+            <pc:docMk/>
+            <pc:sldMk cId="707521056" sldId="265"/>
+            <ac:spMk id="5" creationId="{40C62F00-22B1-4E04-BB6B-542A834FE50B}"/>
+          </ac:spMkLst>
+        </pc:spChg>
+        <pc:spChg chg="add del mod ord">
+          <ac:chgData name="Konrad Pagacz" userId="e545d7174c31fd57" providerId="LiveId" clId="{58155686-19C7-4A58-84EF-AB47EF9C4BD2}" dt="2021-01-08T14:20:23.982" v="5356" actId="700"/>
+          <ac:spMkLst>
+            <pc:docMk/>
+            <pc:sldMk cId="707521056" sldId="265"/>
+            <ac:spMk id="6" creationId="{BA34D688-8CF8-4CDB-BED9-99F8BFB79CC0}"/>
+          </ac:spMkLst>
+        </pc:spChg>
+        <pc:spChg chg="add mod ord">
+          <ac:chgData name="Konrad Pagacz" userId="e545d7174c31fd57" providerId="LiveId" clId="{58155686-19C7-4A58-84EF-AB47EF9C4BD2}" dt="2021-01-08T14:20:28.163" v="5372" actId="20577"/>
+          <ac:spMkLst>
+            <pc:docMk/>
+            <pc:sldMk cId="707521056" sldId="265"/>
+            <ac:spMk id="7" creationId="{E67E46D3-A323-4CBC-92BE-6EA4962DEE4A}"/>
+          </ac:spMkLst>
+        </pc:spChg>
+        <pc:spChg chg="add mod ord">
+          <ac:chgData name="Konrad Pagacz" userId="e545d7174c31fd57" providerId="LiveId" clId="{58155686-19C7-4A58-84EF-AB47EF9C4BD2}" dt="2021-01-08T14:38:09.475" v="6105" actId="27636"/>
+          <ac:spMkLst>
+            <pc:docMk/>
+            <pc:sldMk cId="707521056" sldId="265"/>
+            <ac:spMk id="8" creationId="{F4811C32-ACBF-47B6-BA8A-38582070BC25}"/>
+          </ac:spMkLst>
+        </pc:spChg>
+        <pc:spChg chg="add mod ord">
+          <ac:chgData name="Konrad Pagacz" userId="e545d7174c31fd57" providerId="LiveId" clId="{58155686-19C7-4A58-84EF-AB47EF9C4BD2}" dt="2021-01-08T14:20:31.545" v="5392" actId="20577"/>
+          <ac:spMkLst>
+            <pc:docMk/>
+            <pc:sldMk cId="707521056" sldId="265"/>
+            <ac:spMk id="9" creationId="{47FEFB4E-9438-4D6D-9F5C-EA41543D8D8C}"/>
+          </ac:spMkLst>
+        </pc:spChg>
+        <pc:spChg chg="add mod ord">
+          <ac:chgData name="Konrad Pagacz" userId="e545d7174c31fd57" providerId="LiveId" clId="{58155686-19C7-4A58-84EF-AB47EF9C4BD2}" dt="2021-01-08T14:38:11.423" v="6110" actId="20577"/>
+          <ac:spMkLst>
+            <pc:docMk/>
+            <pc:sldMk cId="707521056" sldId="265"/>
+            <ac:spMk id="10" creationId="{5048DFB2-32EE-4958-A5BC-20B71F3DB2B7}"/>
+          </ac:spMkLst>
+        </pc:spChg>
+      </pc:sldChg>
+      <pc:sldChg chg="addSp delSp modSp new mod modClrScheme chgLayout">
+        <pc:chgData name="Konrad Pagacz" userId="e545d7174c31fd57" providerId="LiveId" clId="{58155686-19C7-4A58-84EF-AB47EF9C4BD2}" dt="2021-01-08T14:38:29.279" v="6130" actId="20577"/>
+        <pc:sldMkLst>
+          <pc:docMk/>
+          <pc:sldMk cId="1220410859" sldId="266"/>
+        </pc:sldMkLst>
+        <pc:spChg chg="del mod ord">
+          <ac:chgData name="Konrad Pagacz" userId="e545d7174c31fd57" providerId="LiveId" clId="{58155686-19C7-4A58-84EF-AB47EF9C4BD2}" dt="2021-01-08T14:38:25.217" v="6112" actId="700"/>
+          <ac:spMkLst>
+            <pc:docMk/>
+            <pc:sldMk cId="1220410859" sldId="266"/>
+            <ac:spMk id="2" creationId="{3672DEF6-ED12-4CCB-ADBB-B7E06B0F4F1D}"/>
+          </ac:spMkLst>
+        </pc:spChg>
+        <pc:spChg chg="del mod ord">
+          <ac:chgData name="Konrad Pagacz" userId="e545d7174c31fd57" providerId="LiveId" clId="{58155686-19C7-4A58-84EF-AB47EF9C4BD2}" dt="2021-01-08T14:38:25.217" v="6112" actId="700"/>
+          <ac:spMkLst>
+            <pc:docMk/>
+            <pc:sldMk cId="1220410859" sldId="266"/>
+            <ac:spMk id="3" creationId="{20E96F63-624D-4802-A844-7D4019E80C40}"/>
+          </ac:spMkLst>
+        </pc:spChg>
+        <pc:spChg chg="add mod ord">
+          <ac:chgData name="Konrad Pagacz" userId="e545d7174c31fd57" providerId="LiveId" clId="{58155686-19C7-4A58-84EF-AB47EF9C4BD2}" dt="2021-01-08T14:38:29.279" v="6130" actId="20577"/>
+          <ac:spMkLst>
+            <pc:docMk/>
+            <pc:sldMk cId="1220410859" sldId="266"/>
+            <ac:spMk id="4" creationId="{14F8D8AE-840A-4DF6-B0EA-AEFB94B60443}"/>
+          </ac:spMkLst>
+        </pc:spChg>
+        <pc:spChg chg="add mod ord">
+          <ac:chgData name="Konrad Pagacz" userId="e545d7174c31fd57" providerId="LiveId" clId="{58155686-19C7-4A58-84EF-AB47EF9C4BD2}" dt="2021-01-08T14:38:25.217" v="6112" actId="700"/>
+          <ac:spMkLst>
+            <pc:docMk/>
+            <pc:sldMk cId="1220410859" sldId="266"/>
+            <ac:spMk id="5" creationId="{4FD3611F-EDCA-4776-9935-BAEBD428BD9B}"/>
+          </ac:spMkLst>
+        </pc:spChg>
+      </pc:sldChg>
+      <pc:sldChg chg="addSp delSp modSp new mod modClrScheme chgLayout">
+        <pc:chgData name="Konrad Pagacz" userId="e545d7174c31fd57" providerId="LiveId" clId="{58155686-19C7-4A58-84EF-AB47EF9C4BD2}" dt="2021-01-08T14:49:46.108" v="6647" actId="20577"/>
+        <pc:sldMkLst>
+          <pc:docMk/>
+          <pc:sldMk cId="3392131300" sldId="267"/>
+        </pc:sldMkLst>
+        <pc:spChg chg="del mod ord">
+          <ac:chgData name="Konrad Pagacz" userId="e545d7174c31fd57" providerId="LiveId" clId="{58155686-19C7-4A58-84EF-AB47EF9C4BD2}" dt="2021-01-08T14:47:44.126" v="6269" actId="700"/>
+          <ac:spMkLst>
+            <pc:docMk/>
+            <pc:sldMk cId="3392131300" sldId="267"/>
+            <ac:spMk id="2" creationId="{76D97477-4DAF-4E37-94D8-4A4A08308AD2}"/>
+          </ac:spMkLst>
+        </pc:spChg>
+        <pc:spChg chg="del">
+          <ac:chgData name="Konrad Pagacz" userId="e545d7174c31fd57" providerId="LiveId" clId="{58155686-19C7-4A58-84EF-AB47EF9C4BD2}" dt="2021-01-08T14:47:44.126" v="6269" actId="700"/>
+          <ac:spMkLst>
+            <pc:docMk/>
+            <pc:sldMk cId="3392131300" sldId="267"/>
+            <ac:spMk id="3" creationId="{4E6B7292-BB4C-4287-83DD-72876C171166}"/>
+          </ac:spMkLst>
+        </pc:spChg>
+        <pc:spChg chg="del mod ord">
+          <ac:chgData name="Konrad Pagacz" userId="e545d7174c31fd57" providerId="LiveId" clId="{58155686-19C7-4A58-84EF-AB47EF9C4BD2}" dt="2021-01-08T14:47:44.126" v="6269" actId="700"/>
+          <ac:spMkLst>
+            <pc:docMk/>
+            <pc:sldMk cId="3392131300" sldId="267"/>
+            <ac:spMk id="4" creationId="{4449EDAD-DCAE-4882-A709-F4B58C6915CC}"/>
+          </ac:spMkLst>
+        </pc:spChg>
+        <pc:spChg chg="del">
+          <ac:chgData name="Konrad Pagacz" userId="e545d7174c31fd57" providerId="LiveId" clId="{58155686-19C7-4A58-84EF-AB47EF9C4BD2}" dt="2021-01-08T14:47:44.126" v="6269" actId="700"/>
+          <ac:spMkLst>
+            <pc:docMk/>
+            <pc:sldMk cId="3392131300" sldId="267"/>
+            <ac:spMk id="5" creationId="{427A5AD8-CAD5-4BBE-9A77-C2ED20BDAB39}"/>
+          </ac:spMkLst>
+        </pc:spChg>
+        <pc:spChg chg="del">
+          <ac:chgData name="Konrad Pagacz" userId="e545d7174c31fd57" providerId="LiveId" clId="{58155686-19C7-4A58-84EF-AB47EF9C4BD2}" dt="2021-01-08T14:47:44.126" v="6269" actId="700"/>
+          <ac:spMkLst>
+            <pc:docMk/>
+            <pc:sldMk cId="3392131300" sldId="267"/>
+            <ac:spMk id="6" creationId="{8308AC94-FD83-4C45-876B-D5949DBCF0E1}"/>
+          </ac:spMkLst>
+        </pc:spChg>
+        <pc:spChg chg="add mod ord">
+          <ac:chgData name="Konrad Pagacz" userId="e545d7174c31fd57" providerId="LiveId" clId="{58155686-19C7-4A58-84EF-AB47EF9C4BD2}" dt="2021-01-08T14:47:45.813" v="6276" actId="20577"/>
+          <ac:spMkLst>
+            <pc:docMk/>
+            <pc:sldMk cId="3392131300" sldId="267"/>
+            <ac:spMk id="7" creationId="{0FC5EC38-C4FA-4B53-9B32-54827F019AAD}"/>
+          </ac:spMkLst>
+        </pc:spChg>
+        <pc:spChg chg="add mod ord">
+          <ac:chgData name="Konrad Pagacz" userId="e545d7174c31fd57" providerId="LiveId" clId="{58155686-19C7-4A58-84EF-AB47EF9C4BD2}" dt="2021-01-08T14:49:46.108" v="6647" actId="20577"/>
+          <ac:spMkLst>
+            <pc:docMk/>
+            <pc:sldMk cId="3392131300" sldId="267"/>
+            <ac:spMk id="8" creationId="{A66E6A69-ACEE-4183-8981-416FFD73E9CA}"/>
+          </ac:spMkLst>
+        </pc:spChg>
+      </pc:sldChg>
+      <pc:sldChg chg="modSp new del mod">
+        <pc:chgData name="Konrad Pagacz" userId="e545d7174c31fd57" providerId="LiveId" clId="{58155686-19C7-4A58-84EF-AB47EF9C4BD2}" dt="2021-01-08T14:51:47.385" v="6930" actId="2696"/>
+        <pc:sldMkLst>
+          <pc:docMk/>
+          <pc:sldMk cId="2137910714" sldId="268"/>
+        </pc:sldMkLst>
+        <pc:spChg chg="mod">
+          <ac:chgData name="Konrad Pagacz" userId="e545d7174c31fd57" providerId="LiveId" clId="{58155686-19C7-4A58-84EF-AB47EF9C4BD2}" dt="2021-01-08T14:50:05.037" v="6711" actId="20577"/>
+          <ac:spMkLst>
+            <pc:docMk/>
+            <pc:sldMk cId="2137910714" sldId="268"/>
+            <ac:spMk id="2" creationId="{7A9BB1BC-80B2-466C-B056-5174365FD99B}"/>
+          </ac:spMkLst>
+        </pc:spChg>
+        <pc:spChg chg="mod">
+          <ac:chgData name="Konrad Pagacz" userId="e545d7174c31fd57" providerId="LiveId" clId="{58155686-19C7-4A58-84EF-AB47EF9C4BD2}" dt="2021-01-08T14:51:01.908" v="6929" actId="20577"/>
+          <ac:spMkLst>
+            <pc:docMk/>
+            <pc:sldMk cId="2137910714" sldId="268"/>
+            <ac:spMk id="3" creationId="{A3D98A8B-4D21-4554-BEB5-CAC32E2FA45E}"/>
+          </ac:spMkLst>
+        </pc:spChg>
       </pc:sldChg>
     </pc:docChg>
   </pc:docChgLst>
@@ -706,7 +910,7 @@
           <a:p>
             <a:fld id="{706A33E2-F93C-420F-BCAB-A9C97DD83ED3}" type="datetimeFigureOut">
               <a:rPr lang="en-US" smtClean="0"/>
-              <a:t>1/7/2021</a:t>
+              <a:t>1/8/2021</a:t>
             </a:fld>
             <a:endParaRPr lang="en-US"/>
           </a:p>
@@ -904,7 +1108,7 @@
           <a:p>
             <a:fld id="{706A33E2-F93C-420F-BCAB-A9C97DD83ED3}" type="datetimeFigureOut">
               <a:rPr lang="en-US" smtClean="0"/>
-              <a:t>1/7/2021</a:t>
+              <a:t>1/8/2021</a:t>
             </a:fld>
             <a:endParaRPr lang="en-US"/>
           </a:p>
@@ -1112,7 +1316,7 @@
           <a:p>
             <a:fld id="{706A33E2-F93C-420F-BCAB-A9C97DD83ED3}" type="datetimeFigureOut">
               <a:rPr lang="en-US" smtClean="0"/>
-              <a:t>1/7/2021</a:t>
+              <a:t>1/8/2021</a:t>
             </a:fld>
             <a:endParaRPr lang="en-US"/>
           </a:p>
@@ -1310,7 +1514,7 @@
           <a:p>
             <a:fld id="{706A33E2-F93C-420F-BCAB-A9C97DD83ED3}" type="datetimeFigureOut">
               <a:rPr lang="en-US" smtClean="0"/>
-              <a:t>1/7/2021</a:t>
+              <a:t>1/8/2021</a:t>
             </a:fld>
             <a:endParaRPr lang="en-US"/>
           </a:p>
@@ -1585,7 +1789,7 @@
           <a:p>
             <a:fld id="{706A33E2-F93C-420F-BCAB-A9C97DD83ED3}" type="datetimeFigureOut">
               <a:rPr lang="en-US" smtClean="0"/>
-              <a:t>1/7/2021</a:t>
+              <a:t>1/8/2021</a:t>
             </a:fld>
             <a:endParaRPr lang="en-US"/>
           </a:p>
@@ -1850,7 +2054,7 @@
           <a:p>
             <a:fld id="{706A33E2-F93C-420F-BCAB-A9C97DD83ED3}" type="datetimeFigureOut">
               <a:rPr lang="en-US" smtClean="0"/>
-              <a:t>1/7/2021</a:t>
+              <a:t>1/8/2021</a:t>
             </a:fld>
             <a:endParaRPr lang="en-US"/>
           </a:p>
@@ -2262,7 +2466,7 @@
           <a:p>
             <a:fld id="{706A33E2-F93C-420F-BCAB-A9C97DD83ED3}" type="datetimeFigureOut">
               <a:rPr lang="en-US" smtClean="0"/>
-              <a:t>1/7/2021</a:t>
+              <a:t>1/8/2021</a:t>
             </a:fld>
             <a:endParaRPr lang="en-US"/>
           </a:p>
@@ -2403,7 +2607,7 @@
           <a:p>
             <a:fld id="{706A33E2-F93C-420F-BCAB-A9C97DD83ED3}" type="datetimeFigureOut">
               <a:rPr lang="en-US" smtClean="0"/>
-              <a:t>1/7/2021</a:t>
+              <a:t>1/8/2021</a:t>
             </a:fld>
             <a:endParaRPr lang="en-US"/>
           </a:p>
@@ -2516,7 +2720,7 @@
           <a:p>
             <a:fld id="{706A33E2-F93C-420F-BCAB-A9C97DD83ED3}" type="datetimeFigureOut">
               <a:rPr lang="en-US" smtClean="0"/>
-              <a:t>1/7/2021</a:t>
+              <a:t>1/8/2021</a:t>
             </a:fld>
             <a:endParaRPr lang="en-US"/>
           </a:p>
@@ -2827,7 +3031,7 @@
           <a:p>
             <a:fld id="{706A33E2-F93C-420F-BCAB-A9C97DD83ED3}" type="datetimeFigureOut">
               <a:rPr lang="en-US" smtClean="0"/>
-              <a:t>1/7/2021</a:t>
+              <a:t>1/8/2021</a:t>
             </a:fld>
             <a:endParaRPr lang="en-US"/>
           </a:p>
@@ -3115,7 +3319,7 @@
           <a:p>
             <a:fld id="{706A33E2-F93C-420F-BCAB-A9C97DD83ED3}" type="datetimeFigureOut">
               <a:rPr lang="en-US" smtClean="0"/>
-              <a:t>1/7/2021</a:t>
+              <a:t>1/8/2021</a:t>
             </a:fld>
             <a:endParaRPr lang="en-US"/>
           </a:p>
@@ -3356,7 +3560,7 @@
           <a:p>
             <a:fld id="{706A33E2-F93C-420F-BCAB-A9C97DD83ED3}" type="datetimeFigureOut">
               <a:rPr lang="en-US" smtClean="0"/>
-              <a:t>1/7/2021</a:t>
+              <a:t>1/8/2021</a:t>
             </a:fld>
             <a:endParaRPr lang="en-US"/>
           </a:p>
@@ -3873,10 +4077,10 @@
       </p:grpSpPr>
       <p:sp>
         <p:nvSpPr>
-          <p:cNvPr id="2" name="Title 1">
-            <a:extLst>
-              <a:ext uri="{FF2B5EF4-FFF2-40B4-BE49-F238E27FC236}">
-                <a16:creationId xmlns:a16="http://schemas.microsoft.com/office/drawing/2014/main" id="{5395F7E0-3F08-403C-896F-B8981D38D10B}"/>
+          <p:cNvPr id="4" name="Title 3">
+            <a:extLst>
+              <a:ext uri="{FF2B5EF4-FFF2-40B4-BE49-F238E27FC236}">
+                <a16:creationId xmlns:a16="http://schemas.microsoft.com/office/drawing/2014/main" id="{E0FFC28B-9666-4FB4-923F-7D167493B811}"/>
               </a:ext>
             </a:extLst>
           </p:cNvPr>
@@ -3892,24 +4096,211 @@
           <a:bodyPr/>
           <a:lstStyle/>
           <a:p>
-            <a:endParaRPr lang="en-US"/>
-          </a:p>
-        </p:txBody>
-      </p:sp>
-      <p:sp>
-        <p:nvSpPr>
-          <p:cNvPr id="3" name="Content Placeholder 2">
-            <a:extLst>
-              <a:ext uri="{FF2B5EF4-FFF2-40B4-BE49-F238E27FC236}">
-                <a16:creationId xmlns:a16="http://schemas.microsoft.com/office/drawing/2014/main" id="{5AC5DB74-8ED7-4EEB-A906-E9E5F0EE87EB}"/>
-              </a:ext>
-            </a:extLst>
-          </p:cNvPr>
-          <p:cNvSpPr>
-            <a:spLocks noGrp="1"/>
-          </p:cNvSpPr>
-          <p:nvPr>
-            <p:ph idx="1"/>
+            <a:r>
+              <a:rPr lang="pl-PL" dirty="0"/>
+              <a:t>Metody</a:t>
+            </a:r>
+            <a:endParaRPr lang="en-US" dirty="0"/>
+          </a:p>
+        </p:txBody>
+      </p:sp>
+      <mc:AlternateContent xmlns:mc="http://schemas.openxmlformats.org/markup-compatibility/2006" xmlns:a14="http://schemas.microsoft.com/office/drawing/2010/main">
+        <mc:Choice Requires="a14">
+          <p:sp>
+            <p:nvSpPr>
+              <p:cNvPr id="5" name="Content Placeholder 4">
+                <a:extLst>
+                  <a:ext uri="{FF2B5EF4-FFF2-40B4-BE49-F238E27FC236}">
+                    <a16:creationId xmlns:a16="http://schemas.microsoft.com/office/drawing/2014/main" id="{9B211C62-2BD5-475B-9D9B-10393963331C}"/>
+                  </a:ext>
+                </a:extLst>
+              </p:cNvPr>
+              <p:cNvSpPr>
+                <a:spLocks noGrp="1"/>
+              </p:cNvSpPr>
+              <p:nvPr>
+                <p:ph idx="1"/>
+              </p:nvPr>
+            </p:nvSpPr>
+            <p:spPr/>
+            <p:txBody>
+              <a:bodyPr/>
+              <a:lstStyle/>
+              <a:p>
+                <a:r>
+                  <a:rPr lang="pl-PL" dirty="0"/>
+                  <a:t>Wykorzystałem implementacje metod z części obowiązkowej</a:t>
+                </a:r>
+              </a:p>
+              <a:p>
+                <a:r>
+                  <a:rPr lang="pl-PL" dirty="0"/>
+                  <a:t>Jako punkt startowy przyjąłem </a:t>
+                </a:r>
+                <a14:m>
+                  <m:oMath xmlns:m="http://schemas.openxmlformats.org/officeDocument/2006/math">
+                    <m:r>
+                      <a:rPr lang="pl-PL" b="0" i="1" smtClean="0">
+                        <a:latin typeface="Cambria Math" panose="02040503050406030204" pitchFamily="18" charset="0"/>
+                      </a:rPr>
+                      <m:t>𝑥</m:t>
+                    </m:r>
+                    <m:r>
+                      <a:rPr lang="pl-PL" b="0" i="1" smtClean="0">
+                        <a:latin typeface="Cambria Math" panose="02040503050406030204" pitchFamily="18" charset="0"/>
+                      </a:rPr>
+                      <m:t>=100 </m:t>
+                    </m:r>
+                  </m:oMath>
+                </a14:m>
+                <a:r>
+                  <a:rPr lang="pl-PL" dirty="0"/>
+                  <a:t>oraz żądaną tolerancję ustaliłem na poziomie </a:t>
+                </a:r>
+                <a14:m>
+                  <m:oMath xmlns:m="http://schemas.openxmlformats.org/officeDocument/2006/math">
+                    <m:sSup>
+                      <m:sSupPr>
+                        <m:ctrlPr>
+                          <a:rPr lang="pl-PL" b="0" i="1" smtClean="0">
+                            <a:latin typeface="Cambria Math" panose="02040503050406030204" pitchFamily="18" charset="0"/>
+                          </a:rPr>
+                        </m:ctrlPr>
+                      </m:sSupPr>
+                      <m:e>
+                        <m:r>
+                          <a:rPr lang="pl-PL" b="0" i="1" smtClean="0">
+                            <a:latin typeface="Cambria Math" panose="02040503050406030204" pitchFamily="18" charset="0"/>
+                          </a:rPr>
+                          <m:t>10</m:t>
+                        </m:r>
+                      </m:e>
+                      <m:sup>
+                        <m:r>
+                          <a:rPr lang="pl-PL" b="0" i="1" smtClean="0">
+                            <a:latin typeface="Cambria Math" panose="02040503050406030204" pitchFamily="18" charset="0"/>
+                          </a:rPr>
+                          <m:t>−6</m:t>
+                        </m:r>
+                      </m:sup>
+                    </m:sSup>
+                  </m:oMath>
+                </a14:m>
+                <a:r>
+                  <a:rPr lang="pl-PL" dirty="0"/>
+                  <a:t>, korzystałem z równania nr 11</a:t>
+                </a:r>
+              </a:p>
+              <a:p>
+                <a:endParaRPr lang="pl-PL" dirty="0"/>
+              </a:p>
+              <a:p>
+                <a:r>
+                  <a:rPr lang="pl-PL" dirty="0"/>
+                  <a:t>Wyniki znajdują się w dwóch plikach zatytułowanych:</a:t>
+                </a:r>
+              </a:p>
+              <a:p>
+                <a:pPr lvl="1"/>
+                <a:r>
+                  <a:rPr lang="pl-PL" dirty="0"/>
+                  <a:t>convergence-order-newton.csv – ciąg dla metody Newtona</a:t>
+                </a:r>
+              </a:p>
+              <a:p>
+                <a:pPr lvl="1"/>
+                <a:r>
+                  <a:rPr lang="pl-PL" dirty="0"/>
+                  <a:t>convergence-order-multipoint.csv – ciąg dla metody wielopunktowej</a:t>
+                </a:r>
+              </a:p>
+            </p:txBody>
+          </p:sp>
+        </mc:Choice>
+        <mc:Fallback xmlns="">
+          <p:sp>
+            <p:nvSpPr>
+              <p:cNvPr id="5" name="Content Placeholder 4">
+                <a:extLst>
+                  <a:ext uri="{FF2B5EF4-FFF2-40B4-BE49-F238E27FC236}">
+                    <a16:creationId xmlns:a16="http://schemas.microsoft.com/office/drawing/2014/main" id="{9B211C62-2BD5-475B-9D9B-10393963331C}"/>
+                  </a:ext>
+                </a:extLst>
+              </p:cNvPr>
+              <p:cNvSpPr>
+                <a:spLocks noGrp="1" noRot="1" noChangeAspect="1" noMove="1" noResize="1" noEditPoints="1" noAdjustHandles="1" noChangeArrowheads="1" noChangeShapeType="1" noTextEdit="1"/>
+              </p:cNvSpPr>
+              <p:nvPr>
+                <p:ph idx="1"/>
+              </p:nvPr>
+            </p:nvSpPr>
+            <p:spPr>
+              <a:blipFill>
+                <a:blip r:embed="rId2"/>
+                <a:stretch>
+                  <a:fillRect l="-1043" t="-2241"/>
+                </a:stretch>
+              </a:blipFill>
+            </p:spPr>
+            <p:txBody>
+              <a:bodyPr/>
+              <a:lstStyle/>
+              <a:p>
+                <a:r>
+                  <a:rPr lang="en-US">
+                    <a:noFill/>
+                  </a:rPr>
+                  <a:t> </a:t>
+                </a:r>
+              </a:p>
+            </p:txBody>
+          </p:sp>
+        </mc:Fallback>
+      </mc:AlternateContent>
+    </p:spTree>
+    <p:extLst>
+      <p:ext uri="{BB962C8B-B14F-4D97-AF65-F5344CB8AC3E}">
+        <p14:creationId xmlns:p14="http://schemas.microsoft.com/office/powerpoint/2010/main" val="681721699"/>
+      </p:ext>
+    </p:extLst>
+  </p:cSld>
+  <p:clrMapOvr>
+    <a:masterClrMapping/>
+  </p:clrMapOvr>
+</p:sld>
+</file>
+
+<file path=ppt/slides/slide11.xml><?xml version="1.0" encoding="utf-8"?>
+<p:sld xmlns:a="http://schemas.openxmlformats.org/drawingml/2006/main" xmlns:r="http://schemas.openxmlformats.org/officeDocument/2006/relationships" xmlns:p="http://schemas.openxmlformats.org/presentationml/2006/main">
+  <p:cSld>
+    <p:spTree>
+      <p:nvGrpSpPr>
+        <p:cNvPr id="1" name=""/>
+        <p:cNvGrpSpPr/>
+        <p:nvPr/>
+      </p:nvGrpSpPr>
+      <p:grpSpPr>
+        <a:xfrm>
+          <a:off x="0" y="0"/>
+          <a:ext cx="0" cy="0"/>
+          <a:chOff x="0" y="0"/>
+          <a:chExt cx="0" cy="0"/>
+        </a:xfrm>
+      </p:grpSpPr>
+      <p:sp>
+        <p:nvSpPr>
+          <p:cNvPr id="4" name="Title 3">
+            <a:extLst>
+              <a:ext uri="{FF2B5EF4-FFF2-40B4-BE49-F238E27FC236}">
+                <a16:creationId xmlns:a16="http://schemas.microsoft.com/office/drawing/2014/main" id="{79FCD00D-216F-45F9-8FFC-A381C39980EF}"/>
+              </a:ext>
+            </a:extLst>
+          </p:cNvPr>
+          <p:cNvSpPr>
+            <a:spLocks noGrp="1"/>
+          </p:cNvSpPr>
+          <p:nvPr>
+            <p:ph type="title"/>
           </p:nvPr>
         </p:nvSpPr>
         <p:spPr/>
@@ -3917,7 +4308,165 @@
           <a:bodyPr/>
           <a:lstStyle/>
           <a:p>
-            <a:endParaRPr lang="en-US"/>
+            <a:r>
+              <a:rPr lang="pl-PL" dirty="0"/>
+              <a:t>Rząd i stała zbieżności metod</a:t>
+            </a:r>
+            <a:endParaRPr lang="en-US" dirty="0"/>
+          </a:p>
+        </p:txBody>
+      </p:sp>
+      <p:sp>
+        <p:nvSpPr>
+          <p:cNvPr id="7" name="Text Placeholder 6">
+            <a:extLst>
+              <a:ext uri="{FF2B5EF4-FFF2-40B4-BE49-F238E27FC236}">
+                <a16:creationId xmlns:a16="http://schemas.microsoft.com/office/drawing/2014/main" id="{E67E46D3-A323-4CBC-92BE-6EA4962DEE4A}"/>
+              </a:ext>
+            </a:extLst>
+          </p:cNvPr>
+          <p:cNvSpPr>
+            <a:spLocks noGrp="1"/>
+          </p:cNvSpPr>
+          <p:nvPr>
+            <p:ph type="body" idx="1"/>
+          </p:nvPr>
+        </p:nvSpPr>
+        <p:spPr/>
+        <p:txBody>
+          <a:bodyPr/>
+          <a:lstStyle/>
+          <a:p>
+            <a:r>
+              <a:rPr lang="pl-PL" dirty="0"/>
+              <a:t>Metoda Newtona</a:t>
+            </a:r>
+            <a:endParaRPr lang="en-US" dirty="0"/>
+          </a:p>
+        </p:txBody>
+      </p:sp>
+      <p:sp>
+        <p:nvSpPr>
+          <p:cNvPr id="8" name="Content Placeholder 7">
+            <a:extLst>
+              <a:ext uri="{FF2B5EF4-FFF2-40B4-BE49-F238E27FC236}">
+                <a16:creationId xmlns:a16="http://schemas.microsoft.com/office/drawing/2014/main" id="{F4811C32-ACBF-47B6-BA8A-38582070BC25}"/>
+              </a:ext>
+            </a:extLst>
+          </p:cNvPr>
+          <p:cNvSpPr>
+            <a:spLocks noGrp="1"/>
+          </p:cNvSpPr>
+          <p:nvPr>
+            <p:ph sz="half" idx="2"/>
+          </p:nvPr>
+        </p:nvSpPr>
+        <p:spPr/>
+        <p:txBody>
+          <a:bodyPr>
+            <a:normAutofit fontScale="92500"/>
+          </a:bodyPr>
+          <a:lstStyle/>
+          <a:p>
+            <a:r>
+              <a:rPr lang="pl-PL" dirty="0"/>
+              <a:t>Dla p = 2 ciąg zbiegał do wartości około 0.59</a:t>
+            </a:r>
+          </a:p>
+          <a:p>
+            <a:r>
+              <a:rPr lang="pl-PL" dirty="0"/>
+              <a:t>Dla p = 1 ciąg zbiegał do zera</a:t>
+            </a:r>
+          </a:p>
+          <a:p>
+            <a:r>
+              <a:rPr lang="pl-PL" dirty="0"/>
+              <a:t>Dla p = 3 oraz p = 4 ciąg zbiegał do nieskończoności</a:t>
+            </a:r>
+          </a:p>
+          <a:p>
+            <a:r>
+              <a:rPr lang="pl-PL" dirty="0"/>
+              <a:t>Zatem metoda Newtona jest rzędu drugiego ze stałą zbieżności równą około 0.59</a:t>
+            </a:r>
+          </a:p>
+        </p:txBody>
+      </p:sp>
+      <p:sp>
+        <p:nvSpPr>
+          <p:cNvPr id="9" name="Text Placeholder 8">
+            <a:extLst>
+              <a:ext uri="{FF2B5EF4-FFF2-40B4-BE49-F238E27FC236}">
+                <a16:creationId xmlns:a16="http://schemas.microsoft.com/office/drawing/2014/main" id="{47FEFB4E-9438-4D6D-9F5C-EA41543D8D8C}"/>
+              </a:ext>
+            </a:extLst>
+          </p:cNvPr>
+          <p:cNvSpPr>
+            <a:spLocks noGrp="1"/>
+          </p:cNvSpPr>
+          <p:nvPr>
+            <p:ph type="body" sz="quarter" idx="3"/>
+          </p:nvPr>
+        </p:nvSpPr>
+        <p:spPr/>
+        <p:txBody>
+          <a:bodyPr/>
+          <a:lstStyle/>
+          <a:p>
+            <a:r>
+              <a:rPr lang="pl-PL" dirty="0"/>
+              <a:t>Metoda wielopunktowa</a:t>
+            </a:r>
+            <a:endParaRPr lang="en-US" dirty="0"/>
+          </a:p>
+        </p:txBody>
+      </p:sp>
+      <p:sp>
+        <p:nvSpPr>
+          <p:cNvPr id="10" name="Content Placeholder 9">
+            <a:extLst>
+              <a:ext uri="{FF2B5EF4-FFF2-40B4-BE49-F238E27FC236}">
+                <a16:creationId xmlns:a16="http://schemas.microsoft.com/office/drawing/2014/main" id="{5048DFB2-32EE-4958-A5BC-20B71F3DB2B7}"/>
+              </a:ext>
+            </a:extLst>
+          </p:cNvPr>
+          <p:cNvSpPr>
+            <a:spLocks noGrp="1"/>
+          </p:cNvSpPr>
+          <p:nvPr>
+            <p:ph sz="quarter" idx="4"/>
+          </p:nvPr>
+        </p:nvSpPr>
+        <p:spPr/>
+        <p:txBody>
+          <a:bodyPr>
+            <a:normAutofit fontScale="92500"/>
+          </a:bodyPr>
+          <a:lstStyle/>
+          <a:p>
+            <a:r>
+              <a:rPr lang="pl-PL" dirty="0"/>
+              <a:t>Dla p = 3 ciąg zbiegał do wartości około 31.69</a:t>
+            </a:r>
+          </a:p>
+          <a:p>
+            <a:r>
+              <a:rPr lang="pl-PL" dirty="0"/>
+              <a:t>Dla p = 1 oraz p = 2 ciąg zbiegał do zera</a:t>
+            </a:r>
+          </a:p>
+          <a:p>
+            <a:r>
+              <a:rPr lang="pl-PL" dirty="0"/>
+              <a:t>Dla p = 4 oraz p = 5 ciąg zbiegał do nieskończoności</a:t>
+            </a:r>
+          </a:p>
+          <a:p>
+            <a:r>
+              <a:rPr lang="pl-PL" dirty="0"/>
+              <a:t>Zatem dla równania N, którego użyłem rząd zbieżności jest równy 3, a stała zbieżności około 31.69</a:t>
+            </a:r>
           </a:p>
         </p:txBody>
       </p:sp>
@@ -3925,6 +4474,100 @@
     <p:extLst>
       <p:ext uri="{BB962C8B-B14F-4D97-AF65-F5344CB8AC3E}">
         <p14:creationId xmlns:p14="http://schemas.microsoft.com/office/powerpoint/2010/main" val="707521056"/>
+      </p:ext>
+    </p:extLst>
+  </p:cSld>
+  <p:clrMapOvr>
+    <a:masterClrMapping/>
+  </p:clrMapOvr>
+</p:sld>
+</file>
+
+<file path=ppt/slides/slide12.xml><?xml version="1.0" encoding="utf-8"?>
+<p:sld xmlns:a="http://schemas.openxmlformats.org/drawingml/2006/main" xmlns:r="http://schemas.openxmlformats.org/officeDocument/2006/relationships" xmlns:p="http://schemas.openxmlformats.org/presentationml/2006/main">
+  <p:cSld>
+    <p:spTree>
+      <p:nvGrpSpPr>
+        <p:cNvPr id="1" name=""/>
+        <p:cNvGrpSpPr/>
+        <p:nvPr/>
+      </p:nvGrpSpPr>
+      <p:grpSpPr>
+        <a:xfrm>
+          <a:off x="0" y="0"/>
+          <a:ext cx="0" cy="0"/>
+          <a:chOff x="0" y="0"/>
+          <a:chExt cx="0" cy="0"/>
+        </a:xfrm>
+      </p:grpSpPr>
+      <p:sp>
+        <p:nvSpPr>
+          <p:cNvPr id="7" name="Title 6">
+            <a:extLst>
+              <a:ext uri="{FF2B5EF4-FFF2-40B4-BE49-F238E27FC236}">
+                <a16:creationId xmlns:a16="http://schemas.microsoft.com/office/drawing/2014/main" id="{0FC5EC38-C4FA-4B53-9B32-54827F019AAD}"/>
+              </a:ext>
+            </a:extLst>
+          </p:cNvPr>
+          <p:cNvSpPr>
+            <a:spLocks noGrp="1"/>
+          </p:cNvSpPr>
+          <p:nvPr>
+            <p:ph type="title"/>
+          </p:nvPr>
+        </p:nvSpPr>
+        <p:spPr/>
+        <p:txBody>
+          <a:bodyPr/>
+          <a:lstStyle/>
+          <a:p>
+            <a:r>
+              <a:rPr lang="pl-PL" dirty="0"/>
+              <a:t>Wnioski</a:t>
+            </a:r>
+            <a:endParaRPr lang="en-US" dirty="0"/>
+          </a:p>
+        </p:txBody>
+      </p:sp>
+      <p:sp>
+        <p:nvSpPr>
+          <p:cNvPr id="8" name="Content Placeholder 7">
+            <a:extLst>
+              <a:ext uri="{FF2B5EF4-FFF2-40B4-BE49-F238E27FC236}">
+                <a16:creationId xmlns:a16="http://schemas.microsoft.com/office/drawing/2014/main" id="{A66E6A69-ACEE-4183-8981-416FFD73E9CA}"/>
+              </a:ext>
+            </a:extLst>
+          </p:cNvPr>
+          <p:cNvSpPr>
+            <a:spLocks noGrp="1"/>
+          </p:cNvSpPr>
+          <p:nvPr>
+            <p:ph idx="1"/>
+          </p:nvPr>
+        </p:nvSpPr>
+        <p:spPr/>
+        <p:txBody>
+          <a:bodyPr/>
+          <a:lstStyle/>
+          <a:p>
+            <a:r>
+              <a:rPr lang="pl-PL" dirty="0"/>
+              <a:t>Metoda wielopunktowa zaimplementowana z pomocą równania N była szybsza niż metoda Newtona (zbiegała szybciej)</a:t>
+            </a:r>
+          </a:p>
+          <a:p>
+            <a:r>
+              <a:rPr lang="pl-PL" dirty="0"/>
+              <a:t>Wyniki części dodatkowej potwierdzają ten wniosek. Rząd zbieżności był o jeden większy w przypadku metody wielopunktowej zaimplementowanej przy pomocy równania N.</a:t>
+            </a:r>
+            <a:endParaRPr lang="en-US" dirty="0"/>
+          </a:p>
+        </p:txBody>
+      </p:sp>
+    </p:spTree>
+    <p:extLst>
+      <p:ext uri="{BB962C8B-B14F-4D97-AF65-F5344CB8AC3E}">
+        <p14:creationId xmlns:p14="http://schemas.microsoft.com/office/powerpoint/2010/main" val="3392131300"/>
       </p:ext>
     </p:extLst>
   </p:cSld>
@@ -4001,7 +4644,7 @@
             <p:spPr/>
             <p:txBody>
               <a:bodyPr>
-                <a:normAutofit fontScale="92500"/>
+                <a:normAutofit fontScale="92500" lnSpcReduction="20000"/>
               </a:bodyPr>
               <a:lstStyle/>
               <a:p>
@@ -4148,6 +4791,505 @@
                 </a:r>
               </a:p>
               <a:p>
+                <a:pPr lvl="1"/>
+                <a14:m>
+                  <m:oMath xmlns:m="http://schemas.openxmlformats.org/officeDocument/2006/math">
+                    <m:r>
+                      <a:rPr lang="pl-PL" b="0" i="1" smtClean="0">
+                        <a:latin typeface="Cambria Math" panose="02040503050406030204" pitchFamily="18" charset="0"/>
+                      </a:rPr>
+                      <m:t>𝜙</m:t>
+                    </m:r>
+                    <m:d>
+                      <m:dPr>
+                        <m:ctrlPr>
+                          <a:rPr lang="pl-PL" b="0" i="1" smtClean="0">
+                            <a:latin typeface="Cambria Math" panose="02040503050406030204" pitchFamily="18" charset="0"/>
+                          </a:rPr>
+                        </m:ctrlPr>
+                      </m:dPr>
+                      <m:e>
+                        <m:r>
+                          <a:rPr lang="pl-PL" b="0" i="1" smtClean="0">
+                            <a:latin typeface="Cambria Math" panose="02040503050406030204" pitchFamily="18" charset="0"/>
+                          </a:rPr>
+                          <m:t>𝑥</m:t>
+                        </m:r>
+                      </m:e>
+                    </m:d>
+                    <m:r>
+                      <a:rPr lang="pl-PL" b="0" i="1" smtClean="0">
+                        <a:latin typeface="Cambria Math" panose="02040503050406030204" pitchFamily="18" charset="0"/>
+                      </a:rPr>
+                      <m:t>=</m:t>
+                    </m:r>
+                    <m:r>
+                      <a:rPr lang="pl-PL" b="0" i="1" smtClean="0">
+                        <a:latin typeface="Cambria Math" panose="02040503050406030204" pitchFamily="18" charset="0"/>
+                      </a:rPr>
+                      <m:t>𝑥</m:t>
+                    </m:r>
+                    <m:r>
+                      <a:rPr lang="pl-PL" b="0" i="1" smtClean="0">
+                        <a:latin typeface="Cambria Math" panose="02040503050406030204" pitchFamily="18" charset="0"/>
+                      </a:rPr>
+                      <m:t> −</m:t>
+                    </m:r>
+                    <m:f>
+                      <m:fPr>
+                        <m:ctrlPr>
+                          <a:rPr lang="pl-PL" b="0" i="1" smtClean="0">
+                            <a:latin typeface="Cambria Math" panose="02040503050406030204" pitchFamily="18" charset="0"/>
+                          </a:rPr>
+                        </m:ctrlPr>
+                      </m:fPr>
+                      <m:num>
+                        <m:r>
+                          <a:rPr lang="pl-PL" b="0" i="1" smtClean="0">
+                            <a:latin typeface="Cambria Math" panose="02040503050406030204" pitchFamily="18" charset="0"/>
+                          </a:rPr>
+                          <m:t>1</m:t>
+                        </m:r>
+                      </m:num>
+                      <m:den>
+                        <m:r>
+                          <a:rPr lang="pl-PL" b="0" i="1" smtClean="0">
+                            <a:latin typeface="Cambria Math" panose="02040503050406030204" pitchFamily="18" charset="0"/>
+                          </a:rPr>
+                          <m:t>4</m:t>
+                        </m:r>
+                      </m:den>
+                    </m:f>
+                    <m:d>
+                      <m:dPr>
+                        <m:begChr m:val="["/>
+                        <m:endChr m:val="]"/>
+                        <m:ctrlPr>
+                          <a:rPr lang="pl-PL" b="0" i="1" smtClean="0">
+                            <a:latin typeface="Cambria Math" panose="02040503050406030204" pitchFamily="18" charset="0"/>
+                          </a:rPr>
+                        </m:ctrlPr>
+                      </m:dPr>
+                      <m:e>
+                        <m:r>
+                          <a:rPr lang="pl-PL" b="0" i="1" smtClean="0">
+                            <a:latin typeface="Cambria Math" panose="02040503050406030204" pitchFamily="18" charset="0"/>
+                          </a:rPr>
+                          <m:t>𝑢</m:t>
+                        </m:r>
+                        <m:d>
+                          <m:dPr>
+                            <m:ctrlPr>
+                              <a:rPr lang="pl-PL" b="0" i="1" smtClean="0">
+                                <a:latin typeface="Cambria Math" panose="02040503050406030204" pitchFamily="18" charset="0"/>
+                              </a:rPr>
+                            </m:ctrlPr>
+                          </m:dPr>
+                          <m:e>
+                            <m:r>
+                              <a:rPr lang="pl-PL" b="0" i="1" smtClean="0">
+                                <a:latin typeface="Cambria Math" panose="02040503050406030204" pitchFamily="18" charset="0"/>
+                              </a:rPr>
+                              <m:t>𝑥</m:t>
+                            </m:r>
+                          </m:e>
+                        </m:d>
+                        <m:r>
+                          <a:rPr lang="pl-PL" b="0" i="1" smtClean="0">
+                            <a:latin typeface="Cambria Math" panose="02040503050406030204" pitchFamily="18" charset="0"/>
+                          </a:rPr>
+                          <m:t>+</m:t>
+                        </m:r>
+                        <m:f>
+                          <m:fPr>
+                            <m:ctrlPr>
+                              <a:rPr lang="pl-PL" b="0" i="1" smtClean="0">
+                                <a:latin typeface="Cambria Math" panose="02040503050406030204" pitchFamily="18" charset="0"/>
+                              </a:rPr>
+                            </m:ctrlPr>
+                          </m:fPr>
+                          <m:num>
+                            <m:r>
+                              <a:rPr lang="pl-PL" b="0" i="1" smtClean="0">
+                                <a:latin typeface="Cambria Math" panose="02040503050406030204" pitchFamily="18" charset="0"/>
+                              </a:rPr>
+                              <m:t>3</m:t>
+                            </m:r>
+                            <m:r>
+                              <a:rPr lang="pl-PL" b="0" i="1" smtClean="0">
+                                <a:latin typeface="Cambria Math" panose="02040503050406030204" pitchFamily="18" charset="0"/>
+                              </a:rPr>
+                              <m:t>𝑓</m:t>
+                            </m:r>
+                            <m:d>
+                              <m:dPr>
+                                <m:ctrlPr>
+                                  <a:rPr lang="pl-PL" b="0" i="1" smtClean="0">
+                                    <a:latin typeface="Cambria Math" panose="02040503050406030204" pitchFamily="18" charset="0"/>
+                                  </a:rPr>
+                                </m:ctrlPr>
+                              </m:dPr>
+                              <m:e>
+                                <m:r>
+                                  <a:rPr lang="pl-PL" b="0" i="1" smtClean="0">
+                                    <a:latin typeface="Cambria Math" panose="02040503050406030204" pitchFamily="18" charset="0"/>
+                                  </a:rPr>
+                                  <m:t>𝑥</m:t>
+                                </m:r>
+                              </m:e>
+                            </m:d>
+                          </m:num>
+                          <m:den>
+                            <m:sSup>
+                              <m:sSupPr>
+                                <m:ctrlPr>
+                                  <a:rPr lang="pl-PL" b="0" i="1" smtClean="0">
+                                    <a:latin typeface="Cambria Math" panose="02040503050406030204" pitchFamily="18" charset="0"/>
+                                  </a:rPr>
+                                </m:ctrlPr>
+                              </m:sSupPr>
+                              <m:e>
+                                <m:r>
+                                  <a:rPr lang="pl-PL" b="0" i="1" smtClean="0">
+                                    <a:latin typeface="Cambria Math" panose="02040503050406030204" pitchFamily="18" charset="0"/>
+                                  </a:rPr>
+                                  <m:t>𝑓</m:t>
+                                </m:r>
+                              </m:e>
+                              <m:sup>
+                                <m:r>
+                                  <a:rPr lang="pl-PL" b="0" i="1" smtClean="0">
+                                    <a:latin typeface="Cambria Math" panose="02040503050406030204" pitchFamily="18" charset="0"/>
+                                  </a:rPr>
+                                  <m:t>′</m:t>
+                                </m:r>
+                              </m:sup>
+                            </m:sSup>
+                            <m:d>
+                              <m:dPr>
+                                <m:ctrlPr>
+                                  <a:rPr lang="pl-PL" b="0" i="1" smtClean="0">
+                                    <a:latin typeface="Cambria Math" panose="02040503050406030204" pitchFamily="18" charset="0"/>
+                                  </a:rPr>
+                                </m:ctrlPr>
+                              </m:dPr>
+                              <m:e>
+                                <m:r>
+                                  <a:rPr lang="pl-PL" b="0" i="1" smtClean="0">
+                                    <a:latin typeface="Cambria Math" panose="02040503050406030204" pitchFamily="18" charset="0"/>
+                                  </a:rPr>
+                                  <m:t>𝑥</m:t>
+                                </m:r>
+                                <m:r>
+                                  <a:rPr lang="pl-PL" b="0" i="1" smtClean="0">
+                                    <a:latin typeface="Cambria Math" panose="02040503050406030204" pitchFamily="18" charset="0"/>
+                                  </a:rPr>
+                                  <m:t>−</m:t>
+                                </m:r>
+                                <m:f>
+                                  <m:fPr>
+                                    <m:ctrlPr>
+                                      <a:rPr lang="pl-PL" b="0" i="1" smtClean="0">
+                                        <a:latin typeface="Cambria Math" panose="02040503050406030204" pitchFamily="18" charset="0"/>
+                                      </a:rPr>
+                                    </m:ctrlPr>
+                                  </m:fPr>
+                                  <m:num>
+                                    <m:r>
+                                      <a:rPr lang="pl-PL" b="0" i="1" smtClean="0">
+                                        <a:latin typeface="Cambria Math" panose="02040503050406030204" pitchFamily="18" charset="0"/>
+                                      </a:rPr>
+                                      <m:t>2</m:t>
+                                    </m:r>
+                                  </m:num>
+                                  <m:den>
+                                    <m:r>
+                                      <a:rPr lang="pl-PL" b="0" i="1" smtClean="0">
+                                        <a:latin typeface="Cambria Math" panose="02040503050406030204" pitchFamily="18" charset="0"/>
+                                      </a:rPr>
+                                      <m:t>9</m:t>
+                                    </m:r>
+                                  </m:den>
+                                </m:f>
+                                <m:d>
+                                  <m:dPr>
+                                    <m:begChr m:val="["/>
+                                    <m:endChr m:val="]"/>
+                                    <m:ctrlPr>
+                                      <a:rPr lang="pl-PL" i="1">
+                                        <a:latin typeface="Cambria Math" panose="02040503050406030204" pitchFamily="18" charset="0"/>
+                                      </a:rPr>
+                                    </m:ctrlPr>
+                                  </m:dPr>
+                                  <m:e>
+                                    <m:r>
+                                      <a:rPr lang="pl-PL" i="1">
+                                        <a:latin typeface="Cambria Math" panose="02040503050406030204" pitchFamily="18" charset="0"/>
+                                      </a:rPr>
+                                      <m:t>2</m:t>
+                                    </m:r>
+                                    <m:r>
+                                      <a:rPr lang="pl-PL" i="1">
+                                        <a:latin typeface="Cambria Math" panose="02040503050406030204" pitchFamily="18" charset="0"/>
+                                      </a:rPr>
+                                      <m:t>𝑢</m:t>
+                                    </m:r>
+                                    <m:d>
+                                      <m:dPr>
+                                        <m:ctrlPr>
+                                          <a:rPr lang="pl-PL" i="1">
+                                            <a:latin typeface="Cambria Math" panose="02040503050406030204" pitchFamily="18" charset="0"/>
+                                          </a:rPr>
+                                        </m:ctrlPr>
+                                      </m:dPr>
+                                      <m:e>
+                                        <m:r>
+                                          <a:rPr lang="pl-PL" i="1">
+                                            <a:latin typeface="Cambria Math" panose="02040503050406030204" pitchFamily="18" charset="0"/>
+                                          </a:rPr>
+                                          <m:t>𝑥</m:t>
+                                        </m:r>
+                                      </m:e>
+                                    </m:d>
+                                    <m:r>
+                                      <a:rPr lang="pl-PL" i="1">
+                                        <a:latin typeface="Cambria Math" panose="02040503050406030204" pitchFamily="18" charset="0"/>
+                                      </a:rPr>
+                                      <m:t>+</m:t>
+                                    </m:r>
+                                    <m:f>
+                                      <m:fPr>
+                                        <m:ctrlPr>
+                                          <a:rPr lang="pl-PL" i="1">
+                                            <a:latin typeface="Cambria Math" panose="02040503050406030204" pitchFamily="18" charset="0"/>
+                                          </a:rPr>
+                                        </m:ctrlPr>
+                                      </m:fPr>
+                                      <m:num>
+                                        <m:r>
+                                          <a:rPr lang="pl-PL" i="1">
+                                            <a:latin typeface="Cambria Math" panose="02040503050406030204" pitchFamily="18" charset="0"/>
+                                          </a:rPr>
+                                          <m:t>𝑓</m:t>
+                                        </m:r>
+                                        <m:d>
+                                          <m:dPr>
+                                            <m:ctrlPr>
+                                              <a:rPr lang="pl-PL" i="1">
+                                                <a:latin typeface="Cambria Math" panose="02040503050406030204" pitchFamily="18" charset="0"/>
+                                              </a:rPr>
+                                            </m:ctrlPr>
+                                          </m:dPr>
+                                          <m:e>
+                                            <m:r>
+                                              <a:rPr lang="pl-PL" i="1">
+                                                <a:latin typeface="Cambria Math" panose="02040503050406030204" pitchFamily="18" charset="0"/>
+                                              </a:rPr>
+                                              <m:t>𝑥</m:t>
+                                            </m:r>
+                                          </m:e>
+                                        </m:d>
+                                      </m:num>
+                                      <m:den>
+                                        <m:sSup>
+                                          <m:sSupPr>
+                                            <m:ctrlPr>
+                                              <a:rPr lang="pl-PL" i="1">
+                                                <a:latin typeface="Cambria Math" panose="02040503050406030204" pitchFamily="18" charset="0"/>
+                                              </a:rPr>
+                                            </m:ctrlPr>
+                                          </m:sSupPr>
+                                          <m:e>
+                                            <m:r>
+                                              <a:rPr lang="pl-PL" i="1">
+                                                <a:latin typeface="Cambria Math" panose="02040503050406030204" pitchFamily="18" charset="0"/>
+                                              </a:rPr>
+                                              <m:t>𝑓</m:t>
+                                            </m:r>
+                                          </m:e>
+                                          <m:sup>
+                                            <m:r>
+                                              <a:rPr lang="pl-PL" i="1">
+                                                <a:latin typeface="Cambria Math" panose="02040503050406030204" pitchFamily="18" charset="0"/>
+                                              </a:rPr>
+                                              <m:t>′</m:t>
+                                            </m:r>
+                                          </m:sup>
+                                        </m:sSup>
+                                        <m:d>
+                                          <m:dPr>
+                                            <m:ctrlPr>
+                                              <a:rPr lang="pl-PL" i="1">
+                                                <a:latin typeface="Cambria Math" panose="02040503050406030204" pitchFamily="18" charset="0"/>
+                                              </a:rPr>
+                                            </m:ctrlPr>
+                                          </m:dPr>
+                                          <m:e>
+                                            <m:r>
+                                              <a:rPr lang="pl-PL" i="1">
+                                                <a:latin typeface="Cambria Math" panose="02040503050406030204" pitchFamily="18" charset="0"/>
+                                              </a:rPr>
+                                              <m:t>𝑥</m:t>
+                                            </m:r>
+                                            <m:r>
+                                              <a:rPr lang="pl-PL" i="1">
+                                                <a:latin typeface="Cambria Math" panose="02040503050406030204" pitchFamily="18" charset="0"/>
+                                              </a:rPr>
+                                              <m:t>−</m:t>
+                                            </m:r>
+                                            <m:r>
+                                              <a:rPr lang="pl-PL" i="1">
+                                                <a:latin typeface="Cambria Math" panose="02040503050406030204" pitchFamily="18" charset="0"/>
+                                              </a:rPr>
+                                              <m:t>𝑢</m:t>
+                                            </m:r>
+                                            <m:d>
+                                              <m:dPr>
+                                                <m:ctrlPr>
+                                                  <a:rPr lang="pl-PL" i="1">
+                                                    <a:latin typeface="Cambria Math" panose="02040503050406030204" pitchFamily="18" charset="0"/>
+                                                  </a:rPr>
+                                                </m:ctrlPr>
+                                              </m:dPr>
+                                              <m:e>
+                                                <m:r>
+                                                  <a:rPr lang="pl-PL" i="1">
+                                                    <a:latin typeface="Cambria Math" panose="02040503050406030204" pitchFamily="18" charset="0"/>
+                                                  </a:rPr>
+                                                  <m:t>𝑥</m:t>
+                                                </m:r>
+                                              </m:e>
+                                            </m:d>
+                                          </m:e>
+                                        </m:d>
+                                      </m:den>
+                                    </m:f>
+                                  </m:e>
+                                </m:d>
+                              </m:e>
+                            </m:d>
+                          </m:den>
+                        </m:f>
+                      </m:e>
+                    </m:d>
+                    <m:r>
+                      <a:rPr lang="pl-PL" b="0" i="1" smtClean="0">
+                        <a:latin typeface="Cambria Math" panose="02040503050406030204" pitchFamily="18" charset="0"/>
+                      </a:rPr>
+                      <m:t>,  </m:t>
+                    </m:r>
+                    <m:r>
+                      <a:rPr lang="pl-PL" b="0" i="1" smtClean="0">
+                        <a:latin typeface="Cambria Math" panose="02040503050406030204" pitchFamily="18" charset="0"/>
+                      </a:rPr>
+                      <m:t>𝑢</m:t>
+                    </m:r>
+                    <m:d>
+                      <m:dPr>
+                        <m:ctrlPr>
+                          <a:rPr lang="pl-PL" b="0" i="1" smtClean="0">
+                            <a:latin typeface="Cambria Math" panose="02040503050406030204" pitchFamily="18" charset="0"/>
+                          </a:rPr>
+                        </m:ctrlPr>
+                      </m:dPr>
+                      <m:e>
+                        <m:r>
+                          <a:rPr lang="pl-PL" b="0" i="1" smtClean="0">
+                            <a:latin typeface="Cambria Math" panose="02040503050406030204" pitchFamily="18" charset="0"/>
+                          </a:rPr>
+                          <m:t>𝑥</m:t>
+                        </m:r>
+                      </m:e>
+                    </m:d>
+                    <m:r>
+                      <a:rPr lang="pl-PL" b="0" i="1" smtClean="0">
+                        <a:latin typeface="Cambria Math" panose="02040503050406030204" pitchFamily="18" charset="0"/>
+                      </a:rPr>
+                      <m:t>=</m:t>
+                    </m:r>
+                    <m:f>
+                      <m:fPr>
+                        <m:ctrlPr>
+                          <a:rPr lang="pl-PL" b="0" i="1" smtClean="0">
+                            <a:latin typeface="Cambria Math" panose="02040503050406030204" pitchFamily="18" charset="0"/>
+                          </a:rPr>
+                        </m:ctrlPr>
+                      </m:fPr>
+                      <m:num>
+                        <m:r>
+                          <a:rPr lang="pl-PL" b="0" i="1" smtClean="0">
+                            <a:latin typeface="Cambria Math" panose="02040503050406030204" pitchFamily="18" charset="0"/>
+                          </a:rPr>
+                          <m:t>𝑓</m:t>
+                        </m:r>
+                        <m:d>
+                          <m:dPr>
+                            <m:ctrlPr>
+                              <a:rPr lang="pl-PL" b="0" i="1" smtClean="0">
+                                <a:latin typeface="Cambria Math" panose="02040503050406030204" pitchFamily="18" charset="0"/>
+                              </a:rPr>
+                            </m:ctrlPr>
+                          </m:dPr>
+                          <m:e>
+                            <m:r>
+                              <a:rPr lang="pl-PL" b="0" i="1" smtClean="0">
+                                <a:latin typeface="Cambria Math" panose="02040503050406030204" pitchFamily="18" charset="0"/>
+                              </a:rPr>
+                              <m:t>𝑥</m:t>
+                            </m:r>
+                          </m:e>
+                        </m:d>
+                      </m:num>
+                      <m:den>
+                        <m:sSup>
+                          <m:sSupPr>
+                            <m:ctrlPr>
+                              <a:rPr lang="pl-PL" b="0" i="1" smtClean="0">
+                                <a:latin typeface="Cambria Math" panose="02040503050406030204" pitchFamily="18" charset="0"/>
+                              </a:rPr>
+                            </m:ctrlPr>
+                          </m:sSupPr>
+                          <m:e>
+                            <m:r>
+                              <a:rPr lang="pl-PL" b="0" i="1" smtClean="0">
+                                <a:latin typeface="Cambria Math" panose="02040503050406030204" pitchFamily="18" charset="0"/>
+                              </a:rPr>
+                              <m:t>𝑓</m:t>
+                            </m:r>
+                          </m:e>
+                          <m:sup>
+                            <m:r>
+                              <a:rPr lang="pl-PL" b="0" i="1" smtClean="0">
+                                <a:latin typeface="Cambria Math" panose="02040503050406030204" pitchFamily="18" charset="0"/>
+                              </a:rPr>
+                              <m:t>′</m:t>
+                            </m:r>
+                          </m:sup>
+                        </m:sSup>
+                        <m:d>
+                          <m:dPr>
+                            <m:ctrlPr>
+                              <a:rPr lang="pl-PL" b="0" i="1" smtClean="0">
+                                <a:latin typeface="Cambria Math" panose="02040503050406030204" pitchFamily="18" charset="0"/>
+                              </a:rPr>
+                            </m:ctrlPr>
+                          </m:dPr>
+                          <m:e>
+                            <m:r>
+                              <a:rPr lang="pl-PL" b="0" i="1" smtClean="0">
+                                <a:latin typeface="Cambria Math" panose="02040503050406030204" pitchFamily="18" charset="0"/>
+                              </a:rPr>
+                              <m:t>𝑥</m:t>
+                            </m:r>
+                          </m:e>
+                        </m:d>
+                      </m:den>
+                    </m:f>
+                  </m:oMath>
+                </a14:m>
+                <a:endParaRPr lang="pl-PL" dirty="0"/>
+              </a:p>
+              <a:p>
                 <a:r>
                   <a:rPr lang="pl-PL" dirty="0"/>
                   <a:t>Algorytmy rozwiązania równań nieliniowych metodą Newtona oraz metodą wielopunktową zaimplementowałem w języku programowania c++</a:t>
@@ -4189,7 +5331,7 @@
               <a:blipFill>
                 <a:blip r:embed="rId2"/>
                 <a:stretch>
-                  <a:fillRect l="-928" t="-2101" r="-1333"/>
+                  <a:fillRect l="-928" t="-3501" r="-1333"/>
                 </a:stretch>
               </a:blipFill>
             </p:spPr>
@@ -4358,6 +5500,90 @@
       </p:grpSpPr>
       <p:sp>
         <p:nvSpPr>
+          <p:cNvPr id="4" name="Title 3">
+            <a:extLst>
+              <a:ext uri="{FF2B5EF4-FFF2-40B4-BE49-F238E27FC236}">
+                <a16:creationId xmlns:a16="http://schemas.microsoft.com/office/drawing/2014/main" id="{14F8D8AE-840A-4DF6-B0EA-AEFB94B60443}"/>
+              </a:ext>
+            </a:extLst>
+          </p:cNvPr>
+          <p:cNvSpPr>
+            <a:spLocks noGrp="1"/>
+          </p:cNvSpPr>
+          <p:nvPr>
+            <p:ph type="title"/>
+          </p:nvPr>
+        </p:nvSpPr>
+        <p:spPr/>
+        <p:txBody>
+          <a:bodyPr/>
+          <a:lstStyle/>
+          <a:p>
+            <a:r>
+              <a:rPr lang="pl-PL" dirty="0"/>
+              <a:t>Wyniki i omówienie</a:t>
+            </a:r>
+            <a:endParaRPr lang="en-US" dirty="0"/>
+          </a:p>
+        </p:txBody>
+      </p:sp>
+      <p:sp>
+        <p:nvSpPr>
+          <p:cNvPr id="5" name="Text Placeholder 4">
+            <a:extLst>
+              <a:ext uri="{FF2B5EF4-FFF2-40B4-BE49-F238E27FC236}">
+                <a16:creationId xmlns:a16="http://schemas.microsoft.com/office/drawing/2014/main" id="{4FD3611F-EDCA-4776-9935-BAEBD428BD9B}"/>
+              </a:ext>
+            </a:extLst>
+          </p:cNvPr>
+          <p:cNvSpPr>
+            <a:spLocks noGrp="1"/>
+          </p:cNvSpPr>
+          <p:nvPr>
+            <p:ph type="body" idx="1"/>
+          </p:nvPr>
+        </p:nvSpPr>
+        <p:spPr/>
+        <p:txBody>
+          <a:bodyPr/>
+          <a:lstStyle/>
+          <a:p>
+            <a:endParaRPr lang="en-US"/>
+          </a:p>
+        </p:txBody>
+      </p:sp>
+    </p:spTree>
+    <p:extLst>
+      <p:ext uri="{BB962C8B-B14F-4D97-AF65-F5344CB8AC3E}">
+        <p14:creationId xmlns:p14="http://schemas.microsoft.com/office/powerpoint/2010/main" val="1220410859"/>
+      </p:ext>
+    </p:extLst>
+  </p:cSld>
+  <p:clrMapOvr>
+    <a:masterClrMapping/>
+  </p:clrMapOvr>
+</p:sld>
+</file>
+
+<file path=ppt/slides/slide5.xml><?xml version="1.0" encoding="utf-8"?>
+<p:sld xmlns:a="http://schemas.openxmlformats.org/drawingml/2006/main" xmlns:r="http://schemas.openxmlformats.org/officeDocument/2006/relationships" xmlns:p="http://schemas.openxmlformats.org/presentationml/2006/main">
+  <p:cSld>
+    <p:spTree>
+      <p:nvGrpSpPr>
+        <p:cNvPr id="1" name=""/>
+        <p:cNvGrpSpPr/>
+        <p:nvPr/>
+      </p:nvGrpSpPr>
+      <p:grpSpPr>
+        <a:xfrm>
+          <a:off x="0" y="0"/>
+          <a:ext cx="0" cy="0"/>
+          <a:chOff x="0" y="0"/>
+          <a:chExt cx="0" cy="0"/>
+        </a:xfrm>
+      </p:grpSpPr>
+      <p:sp>
+        <p:nvSpPr>
           <p:cNvPr id="2" name="Title 1">
             <a:extLst>
               <a:ext uri="{FF2B5EF4-FFF2-40B4-BE49-F238E27FC236}">
@@ -4540,7 +5766,7 @@
 </p:sld>
 </file>
 
-<file path=ppt/slides/slide5.xml><?xml version="1.0" encoding="utf-8"?>
+<file path=ppt/slides/slide6.xml><?xml version="1.0" encoding="utf-8"?>
 <p:sld xmlns:a="http://schemas.openxmlformats.org/drawingml/2006/main" xmlns:r="http://schemas.openxmlformats.org/officeDocument/2006/relationships" xmlns:p="http://schemas.openxmlformats.org/presentationml/2006/main">
   <p:cSld>
     <p:spTree>
@@ -4740,7 +5966,7 @@
 </p:sld>
 </file>
 
-<file path=ppt/slides/slide6.xml><?xml version="1.0" encoding="utf-8"?>
+<file path=ppt/slides/slide7.xml><?xml version="1.0" encoding="utf-8"?>
 <p:sld xmlns:a="http://schemas.openxmlformats.org/drawingml/2006/main" xmlns:r="http://schemas.openxmlformats.org/officeDocument/2006/relationships" xmlns:p="http://schemas.openxmlformats.org/presentationml/2006/main">
   <p:cSld>
     <p:spTree>
@@ -4947,7 +6173,7 @@
 </p:sld>
 </file>
 
-<file path=ppt/slides/slide7.xml><?xml version="1.0" encoding="utf-8"?>
+<file path=ppt/slides/slide8.xml><?xml version="1.0" encoding="utf-8"?>
 <p:sld xmlns:a="http://schemas.openxmlformats.org/drawingml/2006/main" xmlns:r="http://schemas.openxmlformats.org/officeDocument/2006/relationships" xmlns:p="http://schemas.openxmlformats.org/presentationml/2006/main">
   <p:cSld>
     <p:spTree>
@@ -5147,90 +6373,6 @@
 </p:sld>
 </file>
 
-<file path=ppt/slides/slide8.xml><?xml version="1.0" encoding="utf-8"?>
-<p:sld xmlns:a="http://schemas.openxmlformats.org/drawingml/2006/main" xmlns:r="http://schemas.openxmlformats.org/officeDocument/2006/relationships" xmlns:p="http://schemas.openxmlformats.org/presentationml/2006/main">
-  <p:cSld>
-    <p:spTree>
-      <p:nvGrpSpPr>
-        <p:cNvPr id="1" name=""/>
-        <p:cNvGrpSpPr/>
-        <p:nvPr/>
-      </p:nvGrpSpPr>
-      <p:grpSpPr>
-        <a:xfrm>
-          <a:off x="0" y="0"/>
-          <a:ext cx="0" cy="0"/>
-          <a:chOff x="0" y="0"/>
-          <a:chExt cx="0" cy="0"/>
-        </a:xfrm>
-      </p:grpSpPr>
-      <p:sp>
-        <p:nvSpPr>
-          <p:cNvPr id="5" name="Title 4">
-            <a:extLst>
-              <a:ext uri="{FF2B5EF4-FFF2-40B4-BE49-F238E27FC236}">
-                <a16:creationId xmlns:a16="http://schemas.microsoft.com/office/drawing/2014/main" id="{4C837422-1128-4370-B3CA-20D38D29412F}"/>
-              </a:ext>
-            </a:extLst>
-          </p:cNvPr>
-          <p:cNvSpPr>
-            <a:spLocks noGrp="1"/>
-          </p:cNvSpPr>
-          <p:nvPr>
-            <p:ph type="title"/>
-          </p:nvPr>
-        </p:nvSpPr>
-        <p:spPr/>
-        <p:txBody>
-          <a:bodyPr/>
-          <a:lstStyle/>
-          <a:p>
-            <a:r>
-              <a:rPr lang="pl-PL" dirty="0"/>
-              <a:t>Część dodatkowa – rząd zbieżności metod</a:t>
-            </a:r>
-            <a:endParaRPr lang="en-US" dirty="0"/>
-          </a:p>
-        </p:txBody>
-      </p:sp>
-      <p:sp>
-        <p:nvSpPr>
-          <p:cNvPr id="6" name="Text Placeholder 5">
-            <a:extLst>
-              <a:ext uri="{FF2B5EF4-FFF2-40B4-BE49-F238E27FC236}">
-                <a16:creationId xmlns:a16="http://schemas.microsoft.com/office/drawing/2014/main" id="{54C8A576-24B3-47D4-831D-78B4A0207215}"/>
-              </a:ext>
-            </a:extLst>
-          </p:cNvPr>
-          <p:cNvSpPr>
-            <a:spLocks noGrp="1"/>
-          </p:cNvSpPr>
-          <p:nvPr>
-            <p:ph type="body" idx="1"/>
-          </p:nvPr>
-        </p:nvSpPr>
-        <p:spPr/>
-        <p:txBody>
-          <a:bodyPr/>
-          <a:lstStyle/>
-          <a:p>
-            <a:endParaRPr lang="en-US"/>
-          </a:p>
-        </p:txBody>
-      </p:sp>
-    </p:spTree>
-    <p:extLst>
-      <p:ext uri="{BB962C8B-B14F-4D97-AF65-F5344CB8AC3E}">
-        <p14:creationId xmlns:p14="http://schemas.microsoft.com/office/powerpoint/2010/main" val="506213793"/>
-      </p:ext>
-    </p:extLst>
-  </p:cSld>
-  <p:clrMapOvr>
-    <a:masterClrMapping/>
-  </p:clrMapOvr>
-</p:sld>
-</file>
-
 <file path=ppt/slides/slide9.xml><?xml version="1.0" encoding="utf-8"?>
 <p:sld xmlns:a="http://schemas.openxmlformats.org/drawingml/2006/main" xmlns:r="http://schemas.openxmlformats.org/officeDocument/2006/relationships" xmlns:p="http://schemas.openxmlformats.org/presentationml/2006/main">
   <p:cSld>
@@ -5250,10 +6392,10 @@
       </p:grpSpPr>
       <p:sp>
         <p:nvSpPr>
-          <p:cNvPr id="4" name="Title 3">
-            <a:extLst>
-              <a:ext uri="{FF2B5EF4-FFF2-40B4-BE49-F238E27FC236}">
-                <a16:creationId xmlns:a16="http://schemas.microsoft.com/office/drawing/2014/main" id="{E0FFC28B-9666-4FB4-923F-7D167493B811}"/>
+          <p:cNvPr id="5" name="Title 4">
+            <a:extLst>
+              <a:ext uri="{FF2B5EF4-FFF2-40B4-BE49-F238E27FC236}">
+                <a16:creationId xmlns:a16="http://schemas.microsoft.com/office/drawing/2014/main" id="{4C837422-1128-4370-B3CA-20D38D29412F}"/>
               </a:ext>
             </a:extLst>
           </p:cNvPr>
@@ -5271,150 +6413,41 @@
           <a:p>
             <a:r>
               <a:rPr lang="pl-PL" dirty="0"/>
-              <a:t>Metody</a:t>
+              <a:t>Część dodatkowa – rząd zbieżności metod</a:t>
             </a:r>
             <a:endParaRPr lang="en-US" dirty="0"/>
           </a:p>
         </p:txBody>
       </p:sp>
-      <mc:AlternateContent xmlns:mc="http://schemas.openxmlformats.org/markup-compatibility/2006">
-        <mc:Choice xmlns:a14="http://schemas.microsoft.com/office/drawing/2010/main" Requires="a14">
-          <p:sp>
-            <p:nvSpPr>
-              <p:cNvPr id="5" name="Content Placeholder 4">
-                <a:extLst>
-                  <a:ext uri="{FF2B5EF4-FFF2-40B4-BE49-F238E27FC236}">
-                    <a16:creationId xmlns:a16="http://schemas.microsoft.com/office/drawing/2014/main" id="{9B211C62-2BD5-475B-9D9B-10393963331C}"/>
-                  </a:ext>
-                </a:extLst>
-              </p:cNvPr>
-              <p:cNvSpPr>
-                <a:spLocks noGrp="1"/>
-              </p:cNvSpPr>
-              <p:nvPr>
-                <p:ph idx="1"/>
-              </p:nvPr>
-            </p:nvSpPr>
-            <p:spPr/>
-            <p:txBody>
-              <a:bodyPr/>
-              <a:lstStyle/>
-              <a:p>
-                <a:r>
-                  <a:rPr lang="pl-PL" dirty="0"/>
-                  <a:t>Wykorzystałem implementacje metod z części obowiązkowej</a:t>
-                </a:r>
-              </a:p>
-              <a:p>
-                <a:r>
-                  <a:rPr lang="pl-PL" dirty="0"/>
-                  <a:t>Jako punkt startowy przyjąłem </a:t>
-                </a:r>
-                <a14:m>
-                  <m:oMath xmlns:m="http://schemas.openxmlformats.org/officeDocument/2006/math">
-                    <m:r>
-                      <a:rPr lang="pl-PL" b="0" i="1" smtClean="0">
-                        <a:latin typeface="Cambria Math" panose="02040503050406030204" pitchFamily="18" charset="0"/>
-                      </a:rPr>
-                      <m:t>𝑥</m:t>
-                    </m:r>
-                    <m:r>
-                      <a:rPr lang="pl-PL" b="0" i="1" smtClean="0">
-                        <a:latin typeface="Cambria Math" panose="02040503050406030204" pitchFamily="18" charset="0"/>
-                      </a:rPr>
-                      <m:t>=100 </m:t>
-                    </m:r>
-                  </m:oMath>
-                </a14:m>
-                <a:r>
-                  <a:rPr lang="pl-PL" dirty="0"/>
-                  <a:t>oraz żądaną tolerancję ustaliłem na poziomie </a:t>
-                </a:r>
-                <a14:m>
-                  <m:oMath xmlns:m="http://schemas.openxmlformats.org/officeDocument/2006/math">
-                    <m:sSup>
-                      <m:sSupPr>
-                        <m:ctrlPr>
-                          <a:rPr lang="pl-PL" b="0" i="1" smtClean="0">
-                            <a:latin typeface="Cambria Math" panose="02040503050406030204" pitchFamily="18" charset="0"/>
-                          </a:rPr>
-                        </m:ctrlPr>
-                      </m:sSupPr>
-                      <m:e>
-                        <m:r>
-                          <a:rPr lang="pl-PL" b="0" i="1" smtClean="0">
-                            <a:latin typeface="Cambria Math" panose="02040503050406030204" pitchFamily="18" charset="0"/>
-                          </a:rPr>
-                          <m:t>10</m:t>
-                        </m:r>
-                      </m:e>
-                      <m:sup>
-                        <m:r>
-                          <a:rPr lang="pl-PL" b="0" i="1" smtClean="0">
-                            <a:latin typeface="Cambria Math" panose="02040503050406030204" pitchFamily="18" charset="0"/>
-                          </a:rPr>
-                          <m:t>−6</m:t>
-                        </m:r>
-                      </m:sup>
-                    </m:sSup>
-                  </m:oMath>
-                </a14:m>
-                <a:r>
-                  <a:rPr lang="pl-PL" dirty="0"/>
-                  <a:t>, </a:t>
-                </a:r>
-                <a:r>
-                  <a:rPr lang="pl-PL"/>
-                  <a:t>korzystałem z równania nr 11</a:t>
-                </a:r>
-              </a:p>
-            </p:txBody>
-          </p:sp>
-        </mc:Choice>
-        <mc:Fallback>
-          <p:sp>
-            <p:nvSpPr>
-              <p:cNvPr id="5" name="Content Placeholder 4">
-                <a:extLst>
-                  <a:ext uri="{FF2B5EF4-FFF2-40B4-BE49-F238E27FC236}">
-                    <a16:creationId xmlns:a16="http://schemas.microsoft.com/office/drawing/2014/main" id="{9B211C62-2BD5-475B-9D9B-10393963331C}"/>
-                  </a:ext>
-                </a:extLst>
-              </p:cNvPr>
-              <p:cNvSpPr>
-                <a:spLocks noGrp="1" noRot="1" noChangeAspect="1" noMove="1" noResize="1" noEditPoints="1" noAdjustHandles="1" noChangeArrowheads="1" noChangeShapeType="1" noTextEdit="1"/>
-              </p:cNvSpPr>
-              <p:nvPr>
-                <p:ph idx="1"/>
-              </p:nvPr>
-            </p:nvSpPr>
-            <p:spPr>
-              <a:blipFill>
-                <a:blip r:embed="rId2"/>
-                <a:stretch>
-                  <a:fillRect l="-1043" t="-2241"/>
-                </a:stretch>
-              </a:blipFill>
-            </p:spPr>
-            <p:txBody>
-              <a:bodyPr/>
-              <a:lstStyle/>
-              <a:p>
-                <a:r>
-                  <a:rPr lang="en-US">
-                    <a:noFill/>
-                  </a:rPr>
-                  <a:t> </a:t>
-                </a:r>
-              </a:p>
-            </p:txBody>
-          </p:sp>
-        </mc:Fallback>
-      </mc:AlternateContent>
+      <p:sp>
+        <p:nvSpPr>
+          <p:cNvPr id="6" name="Text Placeholder 5">
+            <a:extLst>
+              <a:ext uri="{FF2B5EF4-FFF2-40B4-BE49-F238E27FC236}">
+                <a16:creationId xmlns:a16="http://schemas.microsoft.com/office/drawing/2014/main" id="{54C8A576-24B3-47D4-831D-78B4A0207215}"/>
+              </a:ext>
+            </a:extLst>
+          </p:cNvPr>
+          <p:cNvSpPr>
+            <a:spLocks noGrp="1"/>
+          </p:cNvSpPr>
+          <p:nvPr>
+            <p:ph type="body" idx="1"/>
+          </p:nvPr>
+        </p:nvSpPr>
+        <p:spPr/>
+        <p:txBody>
+          <a:bodyPr/>
+          <a:lstStyle/>
+          <a:p>
+            <a:endParaRPr lang="en-US"/>
+          </a:p>
+        </p:txBody>
+      </p:sp>
     </p:spTree>
     <p:extLst>
       <p:ext uri="{BB962C8B-B14F-4D97-AF65-F5344CB8AC3E}">
-        <p14:creationId xmlns:p14="http://schemas.microsoft.com/office/powerpoint/2010/main" val="681721699"/>
+        <p14:creationId xmlns:p14="http://schemas.microsoft.com/office/powerpoint/2010/main" val="506213793"/>
       </p:ext>
     </p:extLst>
   </p:cSld>
